--- a/figures/Attention Mechanism.pptx
+++ b/figures/Attention Mechanism.pptx
@@ -106,6 +106,11 @@
       </a:defRPr>
     </a:lvl9pPr>
   </p:defaultTextStyle>
+  <p:extLst>
+    <p:ext uri="{EFAFB233-063F-42B5-8137-9DF3F51BA10A}">
+      <p15:sldGuideLst xmlns:p15="http://schemas.microsoft.com/office/powerpoint/2012/main"/>
+    </p:ext>
+  </p:extLst>
 </p:presentation>
 </file>
 
@@ -256,7 +261,7 @@
           <a:p>
             <a:fld id="{72254ABA-9B8E-4AD7-A0B7-75C462322581}" type="datetimeFigureOut">
               <a:rPr lang="zh-CN" altLang="en-US" smtClean="0"/>
-              <a:t>2025/12/12</a:t>
+              <a:t>2025/12/13</a:t>
             </a:fld>
             <a:endParaRPr lang="zh-CN" altLang="en-US"/>
           </a:p>
@@ -454,7 +459,7 @@
           <a:p>
             <a:fld id="{72254ABA-9B8E-4AD7-A0B7-75C462322581}" type="datetimeFigureOut">
               <a:rPr lang="zh-CN" altLang="en-US" smtClean="0"/>
-              <a:t>2025/12/12</a:t>
+              <a:t>2025/12/13</a:t>
             </a:fld>
             <a:endParaRPr lang="zh-CN" altLang="en-US"/>
           </a:p>
@@ -662,7 +667,7 @@
           <a:p>
             <a:fld id="{72254ABA-9B8E-4AD7-A0B7-75C462322581}" type="datetimeFigureOut">
               <a:rPr lang="zh-CN" altLang="en-US" smtClean="0"/>
-              <a:t>2025/12/12</a:t>
+              <a:t>2025/12/13</a:t>
             </a:fld>
             <a:endParaRPr lang="zh-CN" altLang="en-US"/>
           </a:p>
@@ -860,7 +865,7 @@
           <a:p>
             <a:fld id="{72254ABA-9B8E-4AD7-A0B7-75C462322581}" type="datetimeFigureOut">
               <a:rPr lang="zh-CN" altLang="en-US" smtClean="0"/>
-              <a:t>2025/12/12</a:t>
+              <a:t>2025/12/13</a:t>
             </a:fld>
             <a:endParaRPr lang="zh-CN" altLang="en-US"/>
           </a:p>
@@ -1135,7 +1140,7 @@
           <a:p>
             <a:fld id="{72254ABA-9B8E-4AD7-A0B7-75C462322581}" type="datetimeFigureOut">
               <a:rPr lang="zh-CN" altLang="en-US" smtClean="0"/>
-              <a:t>2025/12/12</a:t>
+              <a:t>2025/12/13</a:t>
             </a:fld>
             <a:endParaRPr lang="zh-CN" altLang="en-US"/>
           </a:p>
@@ -1400,7 +1405,7 @@
           <a:p>
             <a:fld id="{72254ABA-9B8E-4AD7-A0B7-75C462322581}" type="datetimeFigureOut">
               <a:rPr lang="zh-CN" altLang="en-US" smtClean="0"/>
-              <a:t>2025/12/12</a:t>
+              <a:t>2025/12/13</a:t>
             </a:fld>
             <a:endParaRPr lang="zh-CN" altLang="en-US"/>
           </a:p>
@@ -1812,7 +1817,7 @@
           <a:p>
             <a:fld id="{72254ABA-9B8E-4AD7-A0B7-75C462322581}" type="datetimeFigureOut">
               <a:rPr lang="zh-CN" altLang="en-US" smtClean="0"/>
-              <a:t>2025/12/12</a:t>
+              <a:t>2025/12/13</a:t>
             </a:fld>
             <a:endParaRPr lang="zh-CN" altLang="en-US"/>
           </a:p>
@@ -1953,7 +1958,7 @@
           <a:p>
             <a:fld id="{72254ABA-9B8E-4AD7-A0B7-75C462322581}" type="datetimeFigureOut">
               <a:rPr lang="zh-CN" altLang="en-US" smtClean="0"/>
-              <a:t>2025/12/12</a:t>
+              <a:t>2025/12/13</a:t>
             </a:fld>
             <a:endParaRPr lang="zh-CN" altLang="en-US"/>
           </a:p>
@@ -2066,7 +2071,7 @@
           <a:p>
             <a:fld id="{72254ABA-9B8E-4AD7-A0B7-75C462322581}" type="datetimeFigureOut">
               <a:rPr lang="zh-CN" altLang="en-US" smtClean="0"/>
-              <a:t>2025/12/12</a:t>
+              <a:t>2025/12/13</a:t>
             </a:fld>
             <a:endParaRPr lang="zh-CN" altLang="en-US"/>
           </a:p>
@@ -2377,7 +2382,7 @@
           <a:p>
             <a:fld id="{72254ABA-9B8E-4AD7-A0B7-75C462322581}" type="datetimeFigureOut">
               <a:rPr lang="zh-CN" altLang="en-US" smtClean="0"/>
-              <a:t>2025/12/12</a:t>
+              <a:t>2025/12/13</a:t>
             </a:fld>
             <a:endParaRPr lang="zh-CN" altLang="en-US"/>
           </a:p>
@@ -2665,7 +2670,7 @@
           <a:p>
             <a:fld id="{72254ABA-9B8E-4AD7-A0B7-75C462322581}" type="datetimeFigureOut">
               <a:rPr lang="zh-CN" altLang="en-US" smtClean="0"/>
-              <a:t>2025/12/12</a:t>
+              <a:t>2025/12/13</a:t>
             </a:fld>
             <a:endParaRPr lang="zh-CN" altLang="en-US"/>
           </a:p>
@@ -2906,7 +2911,7 @@
           <a:p>
             <a:fld id="{72254ABA-9B8E-4AD7-A0B7-75C462322581}" type="datetimeFigureOut">
               <a:rPr lang="zh-CN" altLang="en-US" smtClean="0"/>
-              <a:t>2025/12/12</a:t>
+              <a:t>2025/12/13</a:t>
             </a:fld>
             <a:endParaRPr lang="zh-CN" altLang="en-US"/>
           </a:p>
@@ -4783,8 +4788,8 @@
           </a:p>
         </p:txBody>
       </p:sp>
-      <mc:AlternateContent xmlns:mc="http://schemas.openxmlformats.org/markup-compatibility/2006">
-        <mc:Choice xmlns:a14="http://schemas.microsoft.com/office/drawing/2010/main" Requires="a14">
+      <mc:AlternateContent xmlns:mc="http://schemas.openxmlformats.org/markup-compatibility/2006" xmlns:a14="http://schemas.microsoft.com/office/drawing/2010/main">
+        <mc:Choice Requires="a14">
           <p:sp>
             <p:nvSpPr>
               <p:cNvPr id="4" name="矩形: 圆角 3">
@@ -4851,7 +4856,7 @@
             </p:txBody>
           </p:sp>
         </mc:Choice>
-        <mc:Fallback>
+        <mc:Fallback xmlns="">
           <p:sp>
             <p:nvSpPr>
               <p:cNvPr id="4" name="矩形: 圆角 3">
@@ -4896,8 +4901,8 @@
           </p:sp>
         </mc:Fallback>
       </mc:AlternateContent>
-      <mc:AlternateContent xmlns:mc="http://schemas.openxmlformats.org/markup-compatibility/2006">
-        <mc:Choice xmlns:a14="http://schemas.microsoft.com/office/drawing/2010/main" Requires="a14">
+      <mc:AlternateContent xmlns:mc="http://schemas.openxmlformats.org/markup-compatibility/2006" xmlns:a14="http://schemas.microsoft.com/office/drawing/2010/main">
+        <mc:Choice Requires="a14">
           <p:sp>
             <p:nvSpPr>
               <p:cNvPr id="5" name="矩形: 圆角 4">
@@ -4964,7 +4969,7 @@
             </p:txBody>
           </p:sp>
         </mc:Choice>
-        <mc:Fallback>
+        <mc:Fallback xmlns="">
           <p:sp>
             <p:nvSpPr>
               <p:cNvPr id="5" name="矩形: 圆角 4">
@@ -5009,8 +5014,8 @@
           </p:sp>
         </mc:Fallback>
       </mc:AlternateContent>
-      <mc:AlternateContent xmlns:mc="http://schemas.openxmlformats.org/markup-compatibility/2006">
-        <mc:Choice xmlns:a14="http://schemas.microsoft.com/office/drawing/2010/main" Requires="a14">
+      <mc:AlternateContent xmlns:mc="http://schemas.openxmlformats.org/markup-compatibility/2006" xmlns:a14="http://schemas.microsoft.com/office/drawing/2010/main">
+        <mc:Choice Requires="a14">
           <p:sp>
             <p:nvSpPr>
               <p:cNvPr id="6" name="矩形: 圆角 5">
@@ -5077,7 +5082,7 @@
             </p:txBody>
           </p:sp>
         </mc:Choice>
-        <mc:Fallback>
+        <mc:Fallback xmlns="">
           <p:sp>
             <p:nvSpPr>
               <p:cNvPr id="6" name="矩形: 圆角 5">
@@ -5122,8 +5127,8 @@
           </p:sp>
         </mc:Fallback>
       </mc:AlternateContent>
-      <mc:AlternateContent xmlns:mc="http://schemas.openxmlformats.org/markup-compatibility/2006">
-        <mc:Choice xmlns:a14="http://schemas.microsoft.com/office/drawing/2010/main" Requires="a14">
+      <mc:AlternateContent xmlns:mc="http://schemas.openxmlformats.org/markup-compatibility/2006" xmlns:a14="http://schemas.microsoft.com/office/drawing/2010/main">
+        <mc:Choice Requires="a14">
           <p:sp>
             <p:nvSpPr>
               <p:cNvPr id="19" name="矩形: 圆角 18">
@@ -5225,7 +5230,7 @@
             </p:txBody>
           </p:sp>
         </mc:Choice>
-        <mc:Fallback>
+        <mc:Fallback xmlns="">
           <p:sp>
             <p:nvSpPr>
               <p:cNvPr id="19" name="矩形: 圆角 18">
@@ -5832,8 +5837,8 @@
           </a:p>
         </p:txBody>
       </p:sp>
-      <mc:AlternateContent xmlns:mc="http://schemas.openxmlformats.org/markup-compatibility/2006">
-        <mc:Choice xmlns:a14="http://schemas.microsoft.com/office/drawing/2010/main" Requires="a14">
+      <mc:AlternateContent xmlns:mc="http://schemas.openxmlformats.org/markup-compatibility/2006" xmlns:a14="http://schemas.microsoft.com/office/drawing/2010/main">
+        <mc:Choice Requires="a14">
           <p:sp>
             <p:nvSpPr>
               <p:cNvPr id="74" name="矩形: 圆角 73">
@@ -5914,7 +5919,7 @@
             </p:txBody>
           </p:sp>
         </mc:Choice>
-        <mc:Fallback>
+        <mc:Fallback xmlns="">
           <p:sp>
             <p:nvSpPr>
               <p:cNvPr id="74" name="矩形: 圆角 73">
@@ -9128,8 +9133,8 @@
           </a:p>
         </p:txBody>
       </p:sp>
-      <mc:AlternateContent xmlns:mc="http://schemas.openxmlformats.org/markup-compatibility/2006">
-        <mc:Choice xmlns:a14="http://schemas.microsoft.com/office/drawing/2010/main" Requires="a14">
+      <mc:AlternateContent xmlns:mc="http://schemas.openxmlformats.org/markup-compatibility/2006" xmlns:a14="http://schemas.microsoft.com/office/drawing/2010/main">
+        <mc:Choice Requires="a14">
           <p:sp>
             <p:nvSpPr>
               <p:cNvPr id="195" name="矩形: 圆角 194">
@@ -9231,7 +9236,7 @@
             </p:txBody>
           </p:sp>
         </mc:Choice>
-        <mc:Fallback>
+        <mc:Fallback xmlns="">
           <p:sp>
             <p:nvSpPr>
               <p:cNvPr id="195" name="矩形: 圆角 194">
@@ -10343,8 +10348,8 @@
           </a:p>
         </p:txBody>
       </p:sp>
-      <mc:AlternateContent xmlns:mc="http://schemas.openxmlformats.org/markup-compatibility/2006">
-        <mc:Choice xmlns:a14="http://schemas.microsoft.com/office/drawing/2010/main" Requires="a14">
+      <mc:AlternateContent xmlns:mc="http://schemas.openxmlformats.org/markup-compatibility/2006" xmlns:a14="http://schemas.microsoft.com/office/drawing/2010/main">
+        <mc:Choice Requires="a14">
           <p:sp>
             <p:nvSpPr>
               <p:cNvPr id="276" name="矩形: 圆角 275">
@@ -10489,7 +10494,7 @@
             </p:txBody>
           </p:sp>
         </mc:Choice>
-        <mc:Fallback>
+        <mc:Fallback xmlns="">
           <p:sp>
             <p:nvSpPr>
               <p:cNvPr id="276" name="矩形: 圆角 275">
@@ -10744,8 +10749,8 @@
           </a:p>
         </p:txBody>
       </p:sp>
-      <mc:AlternateContent xmlns:mc="http://schemas.openxmlformats.org/markup-compatibility/2006">
-        <mc:Choice xmlns:a14="http://schemas.microsoft.com/office/drawing/2010/main" Requires="a14">
+      <mc:AlternateContent xmlns:mc="http://schemas.openxmlformats.org/markup-compatibility/2006" xmlns:a14="http://schemas.microsoft.com/office/drawing/2010/main">
+        <mc:Choice Requires="a14">
           <p:sp>
             <p:nvSpPr>
               <p:cNvPr id="4" name="矩形: 圆角 3">
@@ -10812,7 +10817,7 @@
             </p:txBody>
           </p:sp>
         </mc:Choice>
-        <mc:Fallback>
+        <mc:Fallback xmlns="">
           <p:sp>
             <p:nvSpPr>
               <p:cNvPr id="4" name="矩形: 圆角 3">
@@ -10857,8 +10862,8 @@
           </p:sp>
         </mc:Fallback>
       </mc:AlternateContent>
-      <mc:AlternateContent xmlns:mc="http://schemas.openxmlformats.org/markup-compatibility/2006">
-        <mc:Choice xmlns:a14="http://schemas.microsoft.com/office/drawing/2010/main" Requires="a14">
+      <mc:AlternateContent xmlns:mc="http://schemas.openxmlformats.org/markup-compatibility/2006" xmlns:a14="http://schemas.microsoft.com/office/drawing/2010/main">
+        <mc:Choice Requires="a14">
           <p:sp>
             <p:nvSpPr>
               <p:cNvPr id="5" name="矩形: 圆角 4">
@@ -10925,7 +10930,7 @@
             </p:txBody>
           </p:sp>
         </mc:Choice>
-        <mc:Fallback>
+        <mc:Fallback xmlns="">
           <p:sp>
             <p:nvSpPr>
               <p:cNvPr id="5" name="矩形: 圆角 4">
@@ -10970,8 +10975,8 @@
           </p:sp>
         </mc:Fallback>
       </mc:AlternateContent>
-      <mc:AlternateContent xmlns:mc="http://schemas.openxmlformats.org/markup-compatibility/2006">
-        <mc:Choice xmlns:a14="http://schemas.microsoft.com/office/drawing/2010/main" Requires="a14">
+      <mc:AlternateContent xmlns:mc="http://schemas.openxmlformats.org/markup-compatibility/2006" xmlns:a14="http://schemas.microsoft.com/office/drawing/2010/main">
+        <mc:Choice Requires="a14">
           <p:sp>
             <p:nvSpPr>
               <p:cNvPr id="6" name="矩形: 圆角 5">
@@ -11038,7 +11043,7 @@
             </p:txBody>
           </p:sp>
         </mc:Choice>
-        <mc:Fallback>
+        <mc:Fallback xmlns="">
           <p:sp>
             <p:nvSpPr>
               <p:cNvPr id="6" name="矩形: 圆角 5">
@@ -11083,8 +11088,8 @@
           </p:sp>
         </mc:Fallback>
       </mc:AlternateContent>
-      <mc:AlternateContent xmlns:mc="http://schemas.openxmlformats.org/markup-compatibility/2006">
-        <mc:Choice xmlns:a14="http://schemas.microsoft.com/office/drawing/2010/main" Requires="a14">
+      <mc:AlternateContent xmlns:mc="http://schemas.openxmlformats.org/markup-compatibility/2006" xmlns:a14="http://schemas.microsoft.com/office/drawing/2010/main">
+        <mc:Choice Requires="a14">
           <p:sp>
             <p:nvSpPr>
               <p:cNvPr id="19" name="矩形: 圆角 18">
@@ -11186,7 +11191,7 @@
             </p:txBody>
           </p:sp>
         </mc:Choice>
-        <mc:Fallback>
+        <mc:Fallback xmlns="">
           <p:sp>
             <p:nvSpPr>
               <p:cNvPr id="19" name="矩形: 圆角 18">
@@ -11793,8 +11798,8 @@
           </a:p>
         </p:txBody>
       </p:sp>
-      <mc:AlternateContent xmlns:mc="http://schemas.openxmlformats.org/markup-compatibility/2006">
-        <mc:Choice xmlns:a14="http://schemas.microsoft.com/office/drawing/2010/main" Requires="a14">
+      <mc:AlternateContent xmlns:mc="http://schemas.openxmlformats.org/markup-compatibility/2006" xmlns:a14="http://schemas.microsoft.com/office/drawing/2010/main">
+        <mc:Choice Requires="a14">
           <p:sp>
             <p:nvSpPr>
               <p:cNvPr id="74" name="矩形: 圆角 73">
@@ -11875,7 +11880,7 @@
             </p:txBody>
           </p:sp>
         </mc:Choice>
-        <mc:Fallback>
+        <mc:Fallback xmlns="">
           <p:sp>
             <p:nvSpPr>
               <p:cNvPr id="74" name="矩形: 圆角 73">
@@ -14774,8 +14779,8 @@
           </a:p>
         </p:txBody>
       </p:sp>
-      <mc:AlternateContent xmlns:mc="http://schemas.openxmlformats.org/markup-compatibility/2006">
-        <mc:Choice xmlns:a14="http://schemas.microsoft.com/office/drawing/2010/main" Requires="a14">
+      <mc:AlternateContent xmlns:mc="http://schemas.openxmlformats.org/markup-compatibility/2006" xmlns:a14="http://schemas.microsoft.com/office/drawing/2010/main">
+        <mc:Choice Requires="a14">
           <p:sp>
             <p:nvSpPr>
               <p:cNvPr id="195" name="矩形: 圆角 194">
@@ -14877,7 +14882,7 @@
             </p:txBody>
           </p:sp>
         </mc:Choice>
-        <mc:Fallback>
+        <mc:Fallback xmlns="">
           <p:sp>
             <p:nvSpPr>
               <p:cNvPr id="195" name="矩形: 圆角 194">
@@ -15608,8 +15613,8 @@
           </a:p>
         </p:txBody>
       </p:sp>
-      <mc:AlternateContent xmlns:mc="http://schemas.openxmlformats.org/markup-compatibility/2006">
-        <mc:Choice xmlns:a14="http://schemas.microsoft.com/office/drawing/2010/main" Requires="a14">
+      <mc:AlternateContent xmlns:mc="http://schemas.openxmlformats.org/markup-compatibility/2006" xmlns:a14="http://schemas.microsoft.com/office/drawing/2010/main">
+        <mc:Choice Requires="a14">
           <p:sp>
             <p:nvSpPr>
               <p:cNvPr id="276" name="矩形: 圆角 275">
@@ -15754,7 +15759,7 @@
             </p:txBody>
           </p:sp>
         </mc:Choice>
-        <mc:Fallback>
+        <mc:Fallback xmlns="">
           <p:sp>
             <p:nvSpPr>
               <p:cNvPr id="276" name="矩形: 圆角 275">

--- a/figures/Attention Mechanism.pptx
+++ b/figures/Attention Mechanism.pptx
@@ -200,7 +200,7 @@
           <a:p>
             <a:fld id="{322C5885-0AAE-EA45-AFF8-A1D4BE3C0546}" type="datetimeFigureOut">
               <a:rPr kumimoji="1" lang="zh-CN" altLang="en-US" smtClean="0"/>
-              <a:t>2025/12/14</a:t>
+              <a:t>2026/1/4</a:t>
             </a:fld>
             <a:endParaRPr kumimoji="1" lang="zh-CN" altLang="en-US"/>
           </a:p>
@@ -806,7 +806,7 @@
           <a:p>
             <a:fld id="{72254ABA-9B8E-4AD7-A0B7-75C462322581}" type="datetimeFigureOut">
               <a:rPr lang="zh-CN" altLang="en-US" smtClean="0"/>
-              <a:t>2025/12/14</a:t>
+              <a:t>2026/1/4</a:t>
             </a:fld>
             <a:endParaRPr lang="zh-CN" altLang="en-US"/>
           </a:p>
@@ -1004,7 +1004,7 @@
           <a:p>
             <a:fld id="{72254ABA-9B8E-4AD7-A0B7-75C462322581}" type="datetimeFigureOut">
               <a:rPr lang="zh-CN" altLang="en-US" smtClean="0"/>
-              <a:t>2025/12/14</a:t>
+              <a:t>2026/1/4</a:t>
             </a:fld>
             <a:endParaRPr lang="zh-CN" altLang="en-US"/>
           </a:p>
@@ -1212,7 +1212,7 @@
           <a:p>
             <a:fld id="{72254ABA-9B8E-4AD7-A0B7-75C462322581}" type="datetimeFigureOut">
               <a:rPr lang="zh-CN" altLang="en-US" smtClean="0"/>
-              <a:t>2025/12/14</a:t>
+              <a:t>2026/1/4</a:t>
             </a:fld>
             <a:endParaRPr lang="zh-CN" altLang="en-US"/>
           </a:p>
@@ -1410,7 +1410,7 @@
           <a:p>
             <a:fld id="{72254ABA-9B8E-4AD7-A0B7-75C462322581}" type="datetimeFigureOut">
               <a:rPr lang="zh-CN" altLang="en-US" smtClean="0"/>
-              <a:t>2025/12/14</a:t>
+              <a:t>2026/1/4</a:t>
             </a:fld>
             <a:endParaRPr lang="zh-CN" altLang="en-US"/>
           </a:p>
@@ -1685,7 +1685,7 @@
           <a:p>
             <a:fld id="{72254ABA-9B8E-4AD7-A0B7-75C462322581}" type="datetimeFigureOut">
               <a:rPr lang="zh-CN" altLang="en-US" smtClean="0"/>
-              <a:t>2025/12/14</a:t>
+              <a:t>2026/1/4</a:t>
             </a:fld>
             <a:endParaRPr lang="zh-CN" altLang="en-US"/>
           </a:p>
@@ -1950,7 +1950,7 @@
           <a:p>
             <a:fld id="{72254ABA-9B8E-4AD7-A0B7-75C462322581}" type="datetimeFigureOut">
               <a:rPr lang="zh-CN" altLang="en-US" smtClean="0"/>
-              <a:t>2025/12/14</a:t>
+              <a:t>2026/1/4</a:t>
             </a:fld>
             <a:endParaRPr lang="zh-CN" altLang="en-US"/>
           </a:p>
@@ -2362,7 +2362,7 @@
           <a:p>
             <a:fld id="{72254ABA-9B8E-4AD7-A0B7-75C462322581}" type="datetimeFigureOut">
               <a:rPr lang="zh-CN" altLang="en-US" smtClean="0"/>
-              <a:t>2025/12/14</a:t>
+              <a:t>2026/1/4</a:t>
             </a:fld>
             <a:endParaRPr lang="zh-CN" altLang="en-US"/>
           </a:p>
@@ -2503,7 +2503,7 @@
           <a:p>
             <a:fld id="{72254ABA-9B8E-4AD7-A0B7-75C462322581}" type="datetimeFigureOut">
               <a:rPr lang="zh-CN" altLang="en-US" smtClean="0"/>
-              <a:t>2025/12/14</a:t>
+              <a:t>2026/1/4</a:t>
             </a:fld>
             <a:endParaRPr lang="zh-CN" altLang="en-US"/>
           </a:p>
@@ -2616,7 +2616,7 @@
           <a:p>
             <a:fld id="{72254ABA-9B8E-4AD7-A0B7-75C462322581}" type="datetimeFigureOut">
               <a:rPr lang="zh-CN" altLang="en-US" smtClean="0"/>
-              <a:t>2025/12/14</a:t>
+              <a:t>2026/1/4</a:t>
             </a:fld>
             <a:endParaRPr lang="zh-CN" altLang="en-US"/>
           </a:p>
@@ -2927,7 +2927,7 @@
           <a:p>
             <a:fld id="{72254ABA-9B8E-4AD7-A0B7-75C462322581}" type="datetimeFigureOut">
               <a:rPr lang="zh-CN" altLang="en-US" smtClean="0"/>
-              <a:t>2025/12/14</a:t>
+              <a:t>2026/1/4</a:t>
             </a:fld>
             <a:endParaRPr lang="zh-CN" altLang="en-US"/>
           </a:p>
@@ -3215,7 +3215,7 @@
           <a:p>
             <a:fld id="{72254ABA-9B8E-4AD7-A0B7-75C462322581}" type="datetimeFigureOut">
               <a:rPr lang="zh-CN" altLang="en-US" smtClean="0"/>
-              <a:t>2025/12/14</a:t>
+              <a:t>2026/1/4</a:t>
             </a:fld>
             <a:endParaRPr lang="zh-CN" altLang="en-US"/>
           </a:p>
@@ -3456,7 +3456,7 @@
           <a:p>
             <a:fld id="{72254ABA-9B8E-4AD7-A0B7-75C462322581}" type="datetimeFigureOut">
               <a:rPr lang="zh-CN" altLang="en-US" smtClean="0"/>
-              <a:t>2025/12/14</a:t>
+              <a:t>2026/1/4</a:t>
             </a:fld>
             <a:endParaRPr lang="zh-CN" altLang="en-US"/>
           </a:p>
@@ -5138,7 +5138,7 @@
         <p:spPr>
           <a:xfrm>
             <a:off x="216385" y="161745"/>
-            <a:ext cx="9053258" cy="461665"/>
+            <a:ext cx="6524049" cy="461665"/>
           </a:xfrm>
           <a:prstGeom prst="rect">
             <a:avLst/>
@@ -6725,8 +6725,8 @@
           </a:p>
         </p:txBody>
       </p:sp>
-      <mc:AlternateContent xmlns:mc="http://schemas.openxmlformats.org/markup-compatibility/2006">
-        <mc:Choice xmlns:a14="http://schemas.microsoft.com/office/drawing/2010/main" Requires="a14">
+      <mc:AlternateContent xmlns:mc="http://schemas.openxmlformats.org/markup-compatibility/2006" xmlns:a14="http://schemas.microsoft.com/office/drawing/2010/main">
+        <mc:Choice Requires="a14">
           <p:sp>
             <p:nvSpPr>
               <p:cNvPr id="195" name="矩形: 圆角 194">
@@ -6847,7 +6847,7 @@
             </p:txBody>
           </p:sp>
         </mc:Choice>
-        <mc:Fallback>
+        <mc:Fallback xmlns="">
           <p:sp>
             <p:nvSpPr>
               <p:cNvPr id="195" name="矩形: 圆角 194">
@@ -7194,8 +7194,8 @@
           </a:fontRef>
         </p:style>
       </p:cxnSp>
-      <mc:AlternateContent xmlns:mc="http://schemas.openxmlformats.org/markup-compatibility/2006">
-        <mc:Choice xmlns:a14="http://schemas.microsoft.com/office/drawing/2010/main" Requires="a14">
+      <mc:AlternateContent xmlns:mc="http://schemas.openxmlformats.org/markup-compatibility/2006" xmlns:a14="http://schemas.microsoft.com/office/drawing/2010/main">
+        <mc:Choice Requires="a14">
           <p:sp>
             <p:nvSpPr>
               <p:cNvPr id="276" name="矩形: 圆角 275">
@@ -7364,7 +7364,7 @@
             </p:txBody>
           </p:sp>
         </mc:Choice>
-        <mc:Fallback>
+        <mc:Fallback xmlns="">
           <p:sp>
             <p:nvSpPr>
               <p:cNvPr id="276" name="矩形: 圆角 275">
@@ -11589,8 +11589,8 @@
           </a:p>
         </p:txBody>
       </p:sp>
-      <mc:AlternateContent xmlns:mc="http://schemas.openxmlformats.org/markup-compatibility/2006">
-        <mc:Choice xmlns:a14="http://schemas.microsoft.com/office/drawing/2010/main" Requires="a14">
+      <mc:AlternateContent xmlns:mc="http://schemas.openxmlformats.org/markup-compatibility/2006" xmlns:a14="http://schemas.microsoft.com/office/drawing/2010/main">
+        <mc:Choice Requires="a14">
           <p:sp>
             <p:nvSpPr>
               <p:cNvPr id="277" name="矩形: 圆角 3">
@@ -11657,7 +11657,7 @@
             </p:txBody>
           </p:sp>
         </mc:Choice>
-        <mc:Fallback>
+        <mc:Fallback xmlns="">
           <p:sp>
             <p:nvSpPr>
               <p:cNvPr id="277" name="矩形: 圆角 3">
@@ -11702,8 +11702,8 @@
           </p:sp>
         </mc:Fallback>
       </mc:AlternateContent>
-      <mc:AlternateContent xmlns:mc="http://schemas.openxmlformats.org/markup-compatibility/2006">
-        <mc:Choice xmlns:a14="http://schemas.microsoft.com/office/drawing/2010/main" Requires="a14">
+      <mc:AlternateContent xmlns:mc="http://schemas.openxmlformats.org/markup-compatibility/2006" xmlns:a14="http://schemas.microsoft.com/office/drawing/2010/main">
+        <mc:Choice Requires="a14">
           <p:sp>
             <p:nvSpPr>
               <p:cNvPr id="278" name="矩形: 圆角 4">
@@ -11770,7 +11770,7 @@
             </p:txBody>
           </p:sp>
         </mc:Choice>
-        <mc:Fallback>
+        <mc:Fallback xmlns="">
           <p:sp>
             <p:nvSpPr>
               <p:cNvPr id="278" name="矩形: 圆角 4">
@@ -11815,8 +11815,8 @@
           </p:sp>
         </mc:Fallback>
       </mc:AlternateContent>
-      <mc:AlternateContent xmlns:mc="http://schemas.openxmlformats.org/markup-compatibility/2006">
-        <mc:Choice xmlns:a14="http://schemas.microsoft.com/office/drawing/2010/main" Requires="a14">
+      <mc:AlternateContent xmlns:mc="http://schemas.openxmlformats.org/markup-compatibility/2006" xmlns:a14="http://schemas.microsoft.com/office/drawing/2010/main">
+        <mc:Choice Requires="a14">
           <p:sp>
             <p:nvSpPr>
               <p:cNvPr id="279" name="矩形: 圆角 5">
@@ -11883,7 +11883,7 @@
             </p:txBody>
           </p:sp>
         </mc:Choice>
-        <mc:Fallback>
+        <mc:Fallback xmlns="">
           <p:sp>
             <p:nvSpPr>
               <p:cNvPr id="279" name="矩形: 圆角 5">
@@ -11928,8 +11928,8 @@
           </p:sp>
         </mc:Fallback>
       </mc:AlternateContent>
-      <mc:AlternateContent xmlns:mc="http://schemas.openxmlformats.org/markup-compatibility/2006">
-        <mc:Choice xmlns:a14="http://schemas.microsoft.com/office/drawing/2010/main" Requires="a14">
+      <mc:AlternateContent xmlns:mc="http://schemas.openxmlformats.org/markup-compatibility/2006" xmlns:a14="http://schemas.microsoft.com/office/drawing/2010/main">
+        <mc:Choice Requires="a14">
           <p:sp>
             <p:nvSpPr>
               <p:cNvPr id="280" name="矩形: 圆角 18">
@@ -12045,7 +12045,7 @@
             </p:txBody>
           </p:sp>
         </mc:Choice>
-        <mc:Fallback>
+        <mc:Fallback xmlns="">
           <p:sp>
             <p:nvSpPr>
               <p:cNvPr id="280" name="矩形: 圆角 18">
@@ -12652,8 +12652,8 @@
           </a:p>
         </p:txBody>
       </p:sp>
-      <mc:AlternateContent xmlns:mc="http://schemas.openxmlformats.org/markup-compatibility/2006">
-        <mc:Choice xmlns:a14="http://schemas.microsoft.com/office/drawing/2010/main" Requires="a14">
+      <mc:AlternateContent xmlns:mc="http://schemas.openxmlformats.org/markup-compatibility/2006" xmlns:a14="http://schemas.microsoft.com/office/drawing/2010/main">
+        <mc:Choice Requires="a14">
           <p:sp>
             <p:nvSpPr>
               <p:cNvPr id="294" name="矩形: 圆角 73">
@@ -12743,7 +12743,7 @@
             </p:txBody>
           </p:sp>
         </mc:Choice>
-        <mc:Fallback>
+        <mc:Fallback xmlns="">
           <p:sp>
             <p:nvSpPr>
               <p:cNvPr id="294" name="矩形: 圆角 73">
@@ -20025,7 +20025,7 @@
         </p:nvSpPr>
         <p:spPr>
           <a:xfrm>
-            <a:off x="3290555" y="4830667"/>
+            <a:off x="3284024" y="4830667"/>
             <a:ext cx="2215979" cy="738664"/>
           </a:xfrm>
           <a:prstGeom prst="rect">
@@ -20085,7 +20085,7 @@
         </p:nvSpPr>
         <p:spPr>
           <a:xfrm>
-            <a:off x="5498294" y="4830667"/>
+            <a:off x="5537482" y="4830667"/>
             <a:ext cx="2512537" cy="738664"/>
           </a:xfrm>
           <a:prstGeom prst="rect">
@@ -20187,7 +20187,7 @@
         </p:nvSpPr>
         <p:spPr>
           <a:xfrm>
-            <a:off x="7964673" y="4830667"/>
+            <a:off x="8003859" y="4830667"/>
             <a:ext cx="3908528" cy="738664"/>
           </a:xfrm>
           <a:prstGeom prst="rect">
@@ -21336,8 +21336,8 @@
           </a:fontRef>
         </p:style>
       </p:cxnSp>
-      <mc:AlternateContent xmlns:mc="http://schemas.openxmlformats.org/markup-compatibility/2006">
-        <mc:Choice xmlns:a14="http://schemas.microsoft.com/office/drawing/2010/main" Requires="a14">
+      <mc:AlternateContent xmlns:mc="http://schemas.openxmlformats.org/markup-compatibility/2006" xmlns:a14="http://schemas.microsoft.com/office/drawing/2010/main">
+        <mc:Choice Requires="a14">
           <p:sp>
             <p:nvSpPr>
               <p:cNvPr id="336" name="文本框 335">
@@ -21366,6 +21366,7 @@
               </a:bodyPr>
               <a:lstStyle/>
               <a:p>
+                <a:pPr/>
                 <a14:m>
                   <m:oMathPara xmlns:m="http://schemas.openxmlformats.org/officeDocument/2006/math">
                     <m:oMathParaPr>
@@ -21405,7 +21406,7 @@
             </p:txBody>
           </p:sp>
         </mc:Choice>
-        <mc:Fallback>
+        <mc:Fallback xmlns="">
           <p:sp>
             <p:nvSpPr>
               <p:cNvPr id="336" name="文本框 335">
@@ -21670,8 +21671,8 @@
           </a:p>
         </p:txBody>
       </p:sp>
-      <mc:AlternateContent xmlns:mc="http://schemas.openxmlformats.org/markup-compatibility/2006">
-        <mc:Choice xmlns:a14="http://schemas.microsoft.com/office/drawing/2010/main" Requires="a14">
+      <mc:AlternateContent xmlns:mc="http://schemas.openxmlformats.org/markup-compatibility/2006" xmlns:a14="http://schemas.microsoft.com/office/drawing/2010/main">
+        <mc:Choice Requires="a14">
           <p:sp>
             <p:nvSpPr>
               <p:cNvPr id="379" name="文本框 378">
@@ -21700,6 +21701,7 @@
               </a:bodyPr>
               <a:lstStyle/>
               <a:p>
+                <a:pPr/>
                 <a14:m>
                   <m:oMathPara xmlns:m="http://schemas.openxmlformats.org/officeDocument/2006/math">
                     <m:oMathParaPr>
@@ -21739,7 +21741,7 @@
             </p:txBody>
           </p:sp>
         </mc:Choice>
-        <mc:Fallback>
+        <mc:Fallback xmlns="">
           <p:sp>
             <p:nvSpPr>
               <p:cNvPr id="379" name="文本框 378">
@@ -22538,9 +22540,9 @@
       </p:par>
     </p:tnLst>
     <p:bldLst>
-      <p:bldP spid="375" grpId="0"/>
-      <p:bldP spid="376" grpId="0"/>
-      <p:bldP spid="385" grpId="0"/>
+      <p:bldP spid="375" grpId="0" animBg="1"/>
+      <p:bldP spid="376" grpId="0" animBg="1"/>
+      <p:bldP spid="385" grpId="0" animBg="1"/>
     </p:bldLst>
   </p:timing>
 </p:sld>

--- a/figures/Attention Mechanism.pptx
+++ b/figures/Attention Mechanism.pptx
@@ -198,7 +198,7 @@
           <a:p>
             <a:fld id="{322C5885-0AAE-EA45-AFF8-A1D4BE3C0546}" type="datetimeFigureOut">
               <a:rPr kumimoji="1" lang="zh-CN" altLang="en-US" smtClean="0"/>
-              <a:t>2026/1/5</a:t>
+              <a:t>2026/1/6</a:t>
             </a:fld>
             <a:endParaRPr kumimoji="1" lang="zh-CN" altLang="en-US"/>
           </a:p>
@@ -804,7 +804,7 @@
           <a:p>
             <a:fld id="{72254ABA-9B8E-4AD7-A0B7-75C462322581}" type="datetimeFigureOut">
               <a:rPr lang="zh-CN" altLang="en-US" smtClean="0"/>
-              <a:t>2026/1/5</a:t>
+              <a:t>2026/1/6</a:t>
             </a:fld>
             <a:endParaRPr lang="zh-CN" altLang="en-US"/>
           </a:p>
@@ -1002,7 +1002,7 @@
           <a:p>
             <a:fld id="{72254ABA-9B8E-4AD7-A0B7-75C462322581}" type="datetimeFigureOut">
               <a:rPr lang="zh-CN" altLang="en-US" smtClean="0"/>
-              <a:t>2026/1/5</a:t>
+              <a:t>2026/1/6</a:t>
             </a:fld>
             <a:endParaRPr lang="zh-CN" altLang="en-US"/>
           </a:p>
@@ -1210,7 +1210,7 @@
           <a:p>
             <a:fld id="{72254ABA-9B8E-4AD7-A0B7-75C462322581}" type="datetimeFigureOut">
               <a:rPr lang="zh-CN" altLang="en-US" smtClean="0"/>
-              <a:t>2026/1/5</a:t>
+              <a:t>2026/1/6</a:t>
             </a:fld>
             <a:endParaRPr lang="zh-CN" altLang="en-US"/>
           </a:p>
@@ -1408,7 +1408,7 @@
           <a:p>
             <a:fld id="{72254ABA-9B8E-4AD7-A0B7-75C462322581}" type="datetimeFigureOut">
               <a:rPr lang="zh-CN" altLang="en-US" smtClean="0"/>
-              <a:t>2026/1/5</a:t>
+              <a:t>2026/1/6</a:t>
             </a:fld>
             <a:endParaRPr lang="zh-CN" altLang="en-US"/>
           </a:p>
@@ -1683,7 +1683,7 @@
           <a:p>
             <a:fld id="{72254ABA-9B8E-4AD7-A0B7-75C462322581}" type="datetimeFigureOut">
               <a:rPr lang="zh-CN" altLang="en-US" smtClean="0"/>
-              <a:t>2026/1/5</a:t>
+              <a:t>2026/1/6</a:t>
             </a:fld>
             <a:endParaRPr lang="zh-CN" altLang="en-US"/>
           </a:p>
@@ -1948,7 +1948,7 @@
           <a:p>
             <a:fld id="{72254ABA-9B8E-4AD7-A0B7-75C462322581}" type="datetimeFigureOut">
               <a:rPr lang="zh-CN" altLang="en-US" smtClean="0"/>
-              <a:t>2026/1/5</a:t>
+              <a:t>2026/1/6</a:t>
             </a:fld>
             <a:endParaRPr lang="zh-CN" altLang="en-US"/>
           </a:p>
@@ -2360,7 +2360,7 @@
           <a:p>
             <a:fld id="{72254ABA-9B8E-4AD7-A0B7-75C462322581}" type="datetimeFigureOut">
               <a:rPr lang="zh-CN" altLang="en-US" smtClean="0"/>
-              <a:t>2026/1/5</a:t>
+              <a:t>2026/1/6</a:t>
             </a:fld>
             <a:endParaRPr lang="zh-CN" altLang="en-US"/>
           </a:p>
@@ -2501,7 +2501,7 @@
           <a:p>
             <a:fld id="{72254ABA-9B8E-4AD7-A0B7-75C462322581}" type="datetimeFigureOut">
               <a:rPr lang="zh-CN" altLang="en-US" smtClean="0"/>
-              <a:t>2026/1/5</a:t>
+              <a:t>2026/1/6</a:t>
             </a:fld>
             <a:endParaRPr lang="zh-CN" altLang="en-US"/>
           </a:p>
@@ -2614,7 +2614,7 @@
           <a:p>
             <a:fld id="{72254ABA-9B8E-4AD7-A0B7-75C462322581}" type="datetimeFigureOut">
               <a:rPr lang="zh-CN" altLang="en-US" smtClean="0"/>
-              <a:t>2026/1/5</a:t>
+              <a:t>2026/1/6</a:t>
             </a:fld>
             <a:endParaRPr lang="zh-CN" altLang="en-US"/>
           </a:p>
@@ -2925,7 +2925,7 @@
           <a:p>
             <a:fld id="{72254ABA-9B8E-4AD7-A0B7-75C462322581}" type="datetimeFigureOut">
               <a:rPr lang="zh-CN" altLang="en-US" smtClean="0"/>
-              <a:t>2026/1/5</a:t>
+              <a:t>2026/1/6</a:t>
             </a:fld>
             <a:endParaRPr lang="zh-CN" altLang="en-US"/>
           </a:p>
@@ -3213,7 +3213,7 @@
           <a:p>
             <a:fld id="{72254ABA-9B8E-4AD7-A0B7-75C462322581}" type="datetimeFigureOut">
               <a:rPr lang="zh-CN" altLang="en-US" smtClean="0"/>
-              <a:t>2026/1/5</a:t>
+              <a:t>2026/1/6</a:t>
             </a:fld>
             <a:endParaRPr lang="zh-CN" altLang="en-US"/>
           </a:p>
@@ -3454,7 +3454,7 @@
           <a:p>
             <a:fld id="{72254ABA-9B8E-4AD7-A0B7-75C462322581}" type="datetimeFigureOut">
               <a:rPr lang="zh-CN" altLang="en-US" smtClean="0"/>
-              <a:t>2026/1/5</a:t>
+              <a:t>2026/1/6</a:t>
             </a:fld>
             <a:endParaRPr lang="zh-CN" altLang="en-US"/>
           </a:p>

--- a/figures/Attention Mechanism.pptx
+++ b/figures/Attention Mechanism.pptx
@@ -198,7 +198,7 @@
           <a:p>
             <a:fld id="{322C5885-0AAE-EA45-AFF8-A1D4BE3C0546}" type="datetimeFigureOut">
               <a:rPr kumimoji="1" lang="zh-CN" altLang="en-US" smtClean="0"/>
-              <a:t>2026/1/6</a:t>
+              <a:t>2026/1/12</a:t>
             </a:fld>
             <a:endParaRPr kumimoji="1" lang="zh-CN" altLang="en-US"/>
           </a:p>
@@ -804,7 +804,7 @@
           <a:p>
             <a:fld id="{72254ABA-9B8E-4AD7-A0B7-75C462322581}" type="datetimeFigureOut">
               <a:rPr lang="zh-CN" altLang="en-US" smtClean="0"/>
-              <a:t>2026/1/6</a:t>
+              <a:t>2026/1/12</a:t>
             </a:fld>
             <a:endParaRPr lang="zh-CN" altLang="en-US"/>
           </a:p>
@@ -1002,7 +1002,7 @@
           <a:p>
             <a:fld id="{72254ABA-9B8E-4AD7-A0B7-75C462322581}" type="datetimeFigureOut">
               <a:rPr lang="zh-CN" altLang="en-US" smtClean="0"/>
-              <a:t>2026/1/6</a:t>
+              <a:t>2026/1/12</a:t>
             </a:fld>
             <a:endParaRPr lang="zh-CN" altLang="en-US"/>
           </a:p>
@@ -1210,7 +1210,7 @@
           <a:p>
             <a:fld id="{72254ABA-9B8E-4AD7-A0B7-75C462322581}" type="datetimeFigureOut">
               <a:rPr lang="zh-CN" altLang="en-US" smtClean="0"/>
-              <a:t>2026/1/6</a:t>
+              <a:t>2026/1/12</a:t>
             </a:fld>
             <a:endParaRPr lang="zh-CN" altLang="en-US"/>
           </a:p>
@@ -1408,7 +1408,7 @@
           <a:p>
             <a:fld id="{72254ABA-9B8E-4AD7-A0B7-75C462322581}" type="datetimeFigureOut">
               <a:rPr lang="zh-CN" altLang="en-US" smtClean="0"/>
-              <a:t>2026/1/6</a:t>
+              <a:t>2026/1/12</a:t>
             </a:fld>
             <a:endParaRPr lang="zh-CN" altLang="en-US"/>
           </a:p>
@@ -1683,7 +1683,7 @@
           <a:p>
             <a:fld id="{72254ABA-9B8E-4AD7-A0B7-75C462322581}" type="datetimeFigureOut">
               <a:rPr lang="zh-CN" altLang="en-US" smtClean="0"/>
-              <a:t>2026/1/6</a:t>
+              <a:t>2026/1/12</a:t>
             </a:fld>
             <a:endParaRPr lang="zh-CN" altLang="en-US"/>
           </a:p>
@@ -1948,7 +1948,7 @@
           <a:p>
             <a:fld id="{72254ABA-9B8E-4AD7-A0B7-75C462322581}" type="datetimeFigureOut">
               <a:rPr lang="zh-CN" altLang="en-US" smtClean="0"/>
-              <a:t>2026/1/6</a:t>
+              <a:t>2026/1/12</a:t>
             </a:fld>
             <a:endParaRPr lang="zh-CN" altLang="en-US"/>
           </a:p>
@@ -2360,7 +2360,7 @@
           <a:p>
             <a:fld id="{72254ABA-9B8E-4AD7-A0B7-75C462322581}" type="datetimeFigureOut">
               <a:rPr lang="zh-CN" altLang="en-US" smtClean="0"/>
-              <a:t>2026/1/6</a:t>
+              <a:t>2026/1/12</a:t>
             </a:fld>
             <a:endParaRPr lang="zh-CN" altLang="en-US"/>
           </a:p>
@@ -2501,7 +2501,7 @@
           <a:p>
             <a:fld id="{72254ABA-9B8E-4AD7-A0B7-75C462322581}" type="datetimeFigureOut">
               <a:rPr lang="zh-CN" altLang="en-US" smtClean="0"/>
-              <a:t>2026/1/6</a:t>
+              <a:t>2026/1/12</a:t>
             </a:fld>
             <a:endParaRPr lang="zh-CN" altLang="en-US"/>
           </a:p>
@@ -2614,7 +2614,7 @@
           <a:p>
             <a:fld id="{72254ABA-9B8E-4AD7-A0B7-75C462322581}" type="datetimeFigureOut">
               <a:rPr lang="zh-CN" altLang="en-US" smtClean="0"/>
-              <a:t>2026/1/6</a:t>
+              <a:t>2026/1/12</a:t>
             </a:fld>
             <a:endParaRPr lang="zh-CN" altLang="en-US"/>
           </a:p>
@@ -2925,7 +2925,7 @@
           <a:p>
             <a:fld id="{72254ABA-9B8E-4AD7-A0B7-75C462322581}" type="datetimeFigureOut">
               <a:rPr lang="zh-CN" altLang="en-US" smtClean="0"/>
-              <a:t>2026/1/6</a:t>
+              <a:t>2026/1/12</a:t>
             </a:fld>
             <a:endParaRPr lang="zh-CN" altLang="en-US"/>
           </a:p>
@@ -3213,7 +3213,7 @@
           <a:p>
             <a:fld id="{72254ABA-9B8E-4AD7-A0B7-75C462322581}" type="datetimeFigureOut">
               <a:rPr lang="zh-CN" altLang="en-US" smtClean="0"/>
-              <a:t>2026/1/6</a:t>
+              <a:t>2026/1/12</a:t>
             </a:fld>
             <a:endParaRPr lang="zh-CN" altLang="en-US"/>
           </a:p>
@@ -3454,7 +3454,7 @@
           <a:p>
             <a:fld id="{72254ABA-9B8E-4AD7-A0B7-75C462322581}" type="datetimeFigureOut">
               <a:rPr lang="zh-CN" altLang="en-US" smtClean="0"/>
-              <a:t>2026/1/6</a:t>
+              <a:t>2026/1/12</a:t>
             </a:fld>
             <a:endParaRPr lang="zh-CN" altLang="en-US"/>
           </a:p>
